--- a/slides/Logo.pptx
+++ b/slides/Logo.pptx
@@ -3323,54 +3323,124 @@
       </p:grpSpPr>
       <p:sp>
         <p:nvSpPr>
-          <p:cNvPr id="2" name="Title 1">
-            <a:extLst>
-              <a:ext uri="{FF2B5EF4-FFF2-40B4-BE49-F238E27FC236}">
-                <a16:creationId xmlns:a16="http://schemas.microsoft.com/office/drawing/2014/main" id="{68D2AC09-3D65-A291-135E-6F8DFDBEE0AB}"/>
-              </a:ext>
-            </a:extLst>
-          </p:cNvPr>
-          <p:cNvSpPr>
-            <a:spLocks noGrp="1"/>
-          </p:cNvSpPr>
-          <p:nvPr>
-            <p:ph type="ctrTitle"/>
-          </p:nvPr>
-        </p:nvSpPr>
-        <p:spPr/>
-        <p:txBody>
-          <a:bodyPr/>
-          <a:lstStyle/>
-          <a:p>
+          <p:cNvPr id="5" name="Rectangle 4">
+            <a:extLst>
+              <a:ext uri="{FF2B5EF4-FFF2-40B4-BE49-F238E27FC236}">
+                <a16:creationId xmlns:a16="http://schemas.microsoft.com/office/drawing/2014/main" id="{2215FE56-F495-9532-79B4-42F2F40F74F6}"/>
+              </a:ext>
+            </a:extLst>
+          </p:cNvPr>
+          <p:cNvSpPr/>
+          <p:nvPr/>
+        </p:nvSpPr>
+        <p:spPr>
+          <a:xfrm>
+            <a:off x="3260558" y="1876926"/>
+            <a:ext cx="1852863" cy="1852863"/>
+          </a:xfrm>
+          <a:prstGeom prst="rect">
+            <a:avLst/>
+          </a:prstGeom>
+          <a:solidFill>
+            <a:srgbClr val="800000"/>
+          </a:solidFill>
+        </p:spPr>
+        <p:style>
+          <a:lnRef idx="2">
+            <a:schemeClr val="accent1">
+              <a:shade val="15000"/>
+            </a:schemeClr>
+          </a:lnRef>
+          <a:fillRef idx="1">
+            <a:schemeClr val="accent1"/>
+          </a:fillRef>
+          <a:effectRef idx="0">
+            <a:schemeClr val="accent1"/>
+          </a:effectRef>
+          <a:fontRef idx="minor">
+            <a:schemeClr val="lt1"/>
+          </a:fontRef>
+        </p:style>
+        <p:txBody>
+          <a:bodyPr rtlCol="0" anchor="ctr"/>
+          <a:lstStyle/>
+          <a:p>
+            <a:pPr algn="ctr"/>
             <a:endParaRPr lang="en-US"/>
           </a:p>
         </p:txBody>
       </p:sp>
       <p:sp>
         <p:nvSpPr>
-          <p:cNvPr id="3" name="Subtitle 2">
-            <a:extLst>
-              <a:ext uri="{FF2B5EF4-FFF2-40B4-BE49-F238E27FC236}">
-                <a16:creationId xmlns:a16="http://schemas.microsoft.com/office/drawing/2014/main" id="{DCBAFE8F-DF48-3B29-EA12-5037014BB061}"/>
-              </a:ext>
-            </a:extLst>
-          </p:cNvPr>
-          <p:cNvSpPr>
-            <a:spLocks noGrp="1"/>
-          </p:cNvSpPr>
-          <p:nvPr>
-            <p:ph type="subTitle" idx="1"/>
-          </p:nvPr>
-        </p:nvSpPr>
-        <p:spPr/>
-        <p:txBody>
-          <a:bodyPr/>
-          <a:lstStyle/>
-          <a:p>
-            <a:endParaRPr lang="en-US"/>
-          </a:p>
-        </p:txBody>
-      </p:sp>
+          <p:cNvPr id="6" name="TextBox 5">
+            <a:extLst>
+              <a:ext uri="{FF2B5EF4-FFF2-40B4-BE49-F238E27FC236}">
+                <a16:creationId xmlns:a16="http://schemas.microsoft.com/office/drawing/2014/main" id="{48480EFB-FCB4-6AB6-C941-EA9D7BA969C0}"/>
+              </a:ext>
+            </a:extLst>
+          </p:cNvPr>
+          <p:cNvSpPr txBox="1"/>
+          <p:nvPr/>
+        </p:nvSpPr>
+        <p:spPr>
+          <a:xfrm>
+            <a:off x="3273918" y="2018527"/>
+            <a:ext cx="1826142" cy="1569660"/>
+          </a:xfrm>
+          <a:prstGeom prst="rect">
+            <a:avLst/>
+          </a:prstGeom>
+          <a:noFill/>
+        </p:spPr>
+        <p:txBody>
+          <a:bodyPr wrap="none" rtlCol="0">
+            <a:spAutoFit/>
+          </a:bodyPr>
+          <a:lstStyle/>
+          <a:p>
+            <a:pPr algn="ctr"/>
+            <a:r>
+              <a:rPr lang="en-US" sz="9600" b="1" dirty="0">
+                <a:solidFill>
+                  <a:srgbClr val="FFC000"/>
+                </a:solidFill>
+                <a:latin typeface="Helvetica" pitchFamily="2" charset="0"/>
+              </a:rPr>
+              <a:t>DL</a:t>
+            </a:r>
+          </a:p>
+        </p:txBody>
+      </p:sp>
+      <p:pic>
+        <p:nvPicPr>
+          <p:cNvPr id="7" name="Picture 6">
+            <a:extLst>
+              <a:ext uri="{FF2B5EF4-FFF2-40B4-BE49-F238E27FC236}">
+                <a16:creationId xmlns:a16="http://schemas.microsoft.com/office/drawing/2014/main" id="{EBD68B18-37F9-83C0-1BE7-3B0059A88F69}"/>
+              </a:ext>
+            </a:extLst>
+          </p:cNvPr>
+          <p:cNvPicPr>
+            <a:picLocks noChangeAspect="1"/>
+          </p:cNvPicPr>
+          <p:nvPr/>
+        </p:nvPicPr>
+        <p:blipFill>
+          <a:blip r:embed="rId2"/>
+          <a:stretch>
+            <a:fillRect/>
+          </a:stretch>
+        </p:blipFill>
+        <p:spPr>
+          <a:xfrm>
+            <a:off x="5113421" y="837531"/>
+            <a:ext cx="4343400" cy="635000"/>
+          </a:xfrm>
+          <a:prstGeom prst="rect">
+            <a:avLst/>
+          </a:prstGeom>
+        </p:spPr>
+      </p:pic>
     </p:spTree>
     <p:extLst>
       <p:ext uri="{BB962C8B-B14F-4D97-AF65-F5344CB8AC3E}">
